--- a/Consumer Goods SQl Powerbi Project.pptx
+++ b/Consumer Goods SQl Powerbi Project.pptx
@@ -207,7 +207,7 @@
           <a:p>
             <a:fld id="{355529D8-29D3-4EF8-AFE4-9B04C334D78A}" type="datetimeFigureOut">
               <a:rPr lang="en-US" smtClean="0"/>
-              <a:t>4/29/2025</a:t>
+              <a:t>5/5/2025</a:t>
             </a:fld>
             <a:endParaRPr lang="en-US" dirty="0"/>
           </a:p>
@@ -613,7 +613,7 @@
           <a:p>
             <a:fld id="{B9EF805B-254D-4FE1-8316-FEA92B4B8253}" type="datetimeFigureOut">
               <a:rPr lang="en-US" smtClean="0"/>
-              <a:t>4/29/2025</a:t>
+              <a:t>5/5/2025</a:t>
             </a:fld>
             <a:endParaRPr lang="en-US"/>
           </a:p>
@@ -15180,7 +15180,7 @@
             </a:r>
             <a:fld id="{990E4242-8CA0-457D-B3B1-7D78B4164321}" type="datetime1">
               <a:rPr lang="en-US" smtClean="0"/>
-              <a:t>4/29/2025</a:t>
+              <a:t>5/5/2025</a:t>
             </a:fld>
             <a:endParaRPr lang="en-US"/>
           </a:p>
@@ -36141,7 +36141,7 @@
         </p:nvSpPr>
         <p:spPr>
           <a:xfrm>
-            <a:off x="7132456" y="1651489"/>
+            <a:off x="7100214" y="1090122"/>
             <a:ext cx="3914265" cy="515847"/>
           </a:xfrm>
         </p:spPr>
@@ -36197,10 +36197,10 @@
       </p:sp>
       <p:pic>
         <p:nvPicPr>
-          <p:cNvPr id="5" name="Picture 4">
-            <a:extLst>
-              <a:ext uri="{FF2B5EF4-FFF2-40B4-BE49-F238E27FC236}">
-                <a16:creationId xmlns:a16="http://schemas.microsoft.com/office/drawing/2014/main" id="{BD90D66D-4898-1FA1-5A36-49492EE69FF6}"/>
+          <p:cNvPr id="8" name="Picture 7">
+            <a:extLst>
+              <a:ext uri="{FF2B5EF4-FFF2-40B4-BE49-F238E27FC236}">
+                <a16:creationId xmlns:a16="http://schemas.microsoft.com/office/drawing/2014/main" id="{0BECE761-1B9A-A9EA-E4A4-0ACD3E254D83}"/>
               </a:ext>
             </a:extLst>
           </p:cNvPr>
@@ -36210,20 +36210,15 @@
           <p:nvPr/>
         </p:nvPicPr>
         <p:blipFill>
-          <a:blip r:embed="rId2">
-            <a:extLst>
-              <a:ext uri="{28A0092B-C50C-407E-A947-70E740481C1C}">
-                <a14:useLocalDpi xmlns:a14="http://schemas.microsoft.com/office/drawing/2010/main" val="0"/>
-              </a:ext>
-            </a:extLst>
-          </a:blip>
-          <a:srcRect/>
-          <a:stretch/>
+          <a:blip r:embed="rId2"/>
+          <a:stretch>
+            <a:fillRect/>
+          </a:stretch>
         </p:blipFill>
         <p:spPr>
           <a:xfrm>
-            <a:off x="512306" y="806824"/>
-            <a:ext cx="3754894" cy="3619518"/>
+            <a:off x="512306" y="1857730"/>
+            <a:ext cx="3658111" cy="619211"/>
           </a:xfrm>
           <a:prstGeom prst="rect">
             <a:avLst/>
@@ -36242,10 +36237,10 @@
       </p:pic>
       <p:pic>
         <p:nvPicPr>
-          <p:cNvPr id="8" name="Picture 7">
-            <a:extLst>
-              <a:ext uri="{FF2B5EF4-FFF2-40B4-BE49-F238E27FC236}">
-                <a16:creationId xmlns:a16="http://schemas.microsoft.com/office/drawing/2014/main" id="{0BECE761-1B9A-A9EA-E4A4-0ACD3E254D83}"/>
+          <p:cNvPr id="12" name="Picture 11">
+            <a:extLst>
+              <a:ext uri="{FF2B5EF4-FFF2-40B4-BE49-F238E27FC236}">
+                <a16:creationId xmlns:a16="http://schemas.microsoft.com/office/drawing/2014/main" id="{08058E07-6927-0473-AD78-7630DB1E352B}"/>
               </a:ext>
             </a:extLst>
           </p:cNvPr>
@@ -36262,30 +36257,20 @@
         </p:blipFill>
         <p:spPr>
           <a:xfrm>
-            <a:off x="560697" y="4834636"/>
-            <a:ext cx="3658111" cy="619211"/>
+            <a:off x="6409026" y="1995516"/>
+            <a:ext cx="2648320" cy="2143424"/>
           </a:xfrm>
           <a:prstGeom prst="rect">
             <a:avLst/>
           </a:prstGeom>
-          <a:ln>
-            <a:noFill/>
-          </a:ln>
-          <a:effectLst>
-            <a:outerShdw blurRad="292100" dist="139700" dir="2700000" algn="tl" rotWithShape="0">
-              <a:srgbClr val="333333">
-                <a:alpha val="65000"/>
-              </a:srgbClr>
-            </a:outerShdw>
-          </a:effectLst>
         </p:spPr>
       </p:pic>
       <p:pic>
         <p:nvPicPr>
-          <p:cNvPr id="12" name="Picture 11">
-            <a:extLst>
-              <a:ext uri="{FF2B5EF4-FFF2-40B4-BE49-F238E27FC236}">
-                <a16:creationId xmlns:a16="http://schemas.microsoft.com/office/drawing/2014/main" id="{08058E07-6927-0473-AD78-7630DB1E352B}"/>
+          <p:cNvPr id="14" name="Picture 13">
+            <a:extLst>
+              <a:ext uri="{FF2B5EF4-FFF2-40B4-BE49-F238E27FC236}">
+                <a16:creationId xmlns:a16="http://schemas.microsoft.com/office/drawing/2014/main" id="{5502F998-7845-FB03-0E84-B1B5C3D31ACD}"/>
               </a:ext>
             </a:extLst>
           </p:cNvPr>
@@ -36302,44 +36287,14 @@
         </p:blipFill>
         <p:spPr>
           <a:xfrm>
-            <a:off x="6441269" y="2691212"/>
-            <a:ext cx="2648320" cy="2143424"/>
+            <a:off x="9038215" y="1995516"/>
+            <a:ext cx="2257740" cy="2172003"/>
           </a:xfrm>
           <a:prstGeom prst="rect">
             <a:avLst/>
           </a:prstGeom>
         </p:spPr>
       </p:pic>
-      <p:pic>
-        <p:nvPicPr>
-          <p:cNvPr id="14" name="Picture 13">
-            <a:extLst>
-              <a:ext uri="{FF2B5EF4-FFF2-40B4-BE49-F238E27FC236}">
-                <a16:creationId xmlns:a16="http://schemas.microsoft.com/office/drawing/2014/main" id="{5502F998-7845-FB03-0E84-B1B5C3D31ACD}"/>
-              </a:ext>
-            </a:extLst>
-          </p:cNvPr>
-          <p:cNvPicPr>
-            <a:picLocks noChangeAspect="1"/>
-          </p:cNvPicPr>
-          <p:nvPr/>
-        </p:nvPicPr>
-        <p:blipFill>
-          <a:blip r:embed="rId5"/>
-          <a:stretch>
-            <a:fillRect/>
-          </a:stretch>
-        </p:blipFill>
-        <p:spPr>
-          <a:xfrm>
-            <a:off x="9089589" y="2691212"/>
-            <a:ext cx="2257740" cy="2172003"/>
-          </a:xfrm>
-          <a:prstGeom prst="rect">
-            <a:avLst/>
-          </a:prstGeom>
-        </p:spPr>
-      </p:pic>
       <p:sp>
         <p:nvSpPr>
           <p:cNvPr id="15" name="TextBox 14">
@@ -36354,8 +36309,8 @@
         </p:nvSpPr>
         <p:spPr>
           <a:xfrm>
-            <a:off x="3845858" y="5599525"/>
-            <a:ext cx="6759388" cy="1200329"/>
+            <a:off x="512306" y="4127303"/>
+            <a:ext cx="6759388" cy="1508105"/>
           </a:xfrm>
           <a:prstGeom prst="rect">
             <a:avLst/>
@@ -36369,7 +36324,7 @@
           <a:lstStyle/>
           <a:p>
             <a:r>
-              <a:rPr lang="en-GB" sz="1600" b="1" dirty="0">
+              <a:rPr lang="en-GB" sz="2000" b="1" dirty="0">
                 <a:solidFill>
                   <a:schemeClr val="tx1">
                     <a:lumMod val="95000"/>
@@ -36379,14 +36334,6 @@
               </a:rPr>
               <a:t>Insights:</a:t>
             </a:r>
-            <a:endParaRPr lang="en-GB" sz="1400" b="1" dirty="0">
-              <a:solidFill>
-                <a:schemeClr val="tx1">
-                  <a:lumMod val="95000"/>
-                  <a:lumOff val="5000"/>
-                </a:schemeClr>
-              </a:solidFill>
-            </a:endParaRPr>
           </a:p>
           <a:p>
             <a:pPr marL="285750" indent="-285750">
@@ -36394,44 +36341,52 @@
               <a:buChar char="•"/>
             </a:pPr>
             <a:r>
-              <a:rPr lang="en-GB" sz="1400" dirty="0">
+              <a:rPr lang="en-GB" dirty="0">
+                <a:solidFill>
+                  <a:srgbClr val="002060"/>
+                </a:solidFill>
+              </a:rPr>
+              <a:t>Mouse: AQ Master wired x1 Ms </a:t>
+            </a:r>
+            <a:r>
+              <a:rPr lang="en-GB" b="1" dirty="0">
+                <a:solidFill>
+                  <a:srgbClr val="002060"/>
+                </a:solidFill>
+              </a:rPr>
+              <a:t>(Variant: Standard 1) </a:t>
+            </a:r>
+            <a:r>
+              <a:rPr lang="en-GB" dirty="0">
+                <a:solidFill>
+                  <a:srgbClr val="002060"/>
+                </a:solidFill>
+              </a:rPr>
+              <a:t>has the lowest manufacturing cost.</a:t>
+            </a:r>
+          </a:p>
+          <a:p>
+            <a:pPr marL="285750" indent="-285750">
+              <a:buFont typeface="Arial" panose="020B0604020202020204" pitchFamily="34" charset="0"/>
+              <a:buChar char="•"/>
+            </a:pPr>
+            <a:r>
+              <a:rPr lang="en-GB" dirty="0">
+                <a:solidFill>
+                  <a:srgbClr val="002060"/>
+                </a:solidFill>
+              </a:rPr>
+              <a:t>Personal Desktop: AQ Home Allin1  Gen2 (Variant: Plus 3) has the highest manufacturing cost</a:t>
+            </a:r>
+            <a:r>
+              <a:rPr lang="en-GB" dirty="0">
                 <a:solidFill>
                   <a:srgbClr val="0070C0"/>
                 </a:solidFill>
               </a:rPr>
-              <a:t>Mouse: AQ Master wired x1 Ms </a:t>
-            </a:r>
-            <a:r>
-              <a:rPr lang="en-GB" sz="1400" b="1" dirty="0">
-                <a:solidFill>
-                  <a:srgbClr val="0070C0"/>
-                </a:solidFill>
-              </a:rPr>
-              <a:t>(Variant: Standard 1) </a:t>
-            </a:r>
-            <a:r>
-              <a:rPr lang="en-GB" sz="1400" dirty="0">
-                <a:solidFill>
-                  <a:srgbClr val="0070C0"/>
-                </a:solidFill>
-              </a:rPr>
-              <a:t>has the lowest manufacturing cost.</a:t>
-            </a:r>
-          </a:p>
-          <a:p>
-            <a:pPr marL="285750" indent="-285750">
-              <a:buFont typeface="Arial" panose="020B0604020202020204" pitchFamily="34" charset="0"/>
-              <a:buChar char="•"/>
-            </a:pPr>
-            <a:r>
-              <a:rPr lang="en-GB" sz="1400" dirty="0">
-                <a:solidFill>
-                  <a:srgbClr val="0070C0"/>
-                </a:solidFill>
-              </a:rPr>
-              <a:t>Personal Desktop: AQ Home Allin1  Gen2 (Variant: Plus 3) has the highest manufacturing cost.</a:t>
-            </a:r>
-            <a:endParaRPr lang="en-IN" sz="1400" dirty="0">
+              <a:t>.</a:t>
+            </a:r>
+            <a:endParaRPr lang="en-IN" dirty="0">
               <a:solidFill>
                 <a:srgbClr val="0070C0"/>
               </a:solidFill>
@@ -36615,7 +36570,7 @@
         </p:nvSpPr>
         <p:spPr>
           <a:xfrm>
-            <a:off x="3029125" y="5603336"/>
+            <a:off x="512306" y="3601748"/>
             <a:ext cx="7556876" cy="1254664"/>
           </a:xfrm>
         </p:spPr>
@@ -36625,7 +36580,7 @@
           <a:p>
             <a:pPr algn="l"/>
             <a:r>
-              <a:rPr lang="en-GB" sz="1600" b="1" dirty="0"/>
+              <a:rPr lang="en-GB" sz="2000" b="1" dirty="0"/>
               <a:t>Insights:</a:t>
             </a:r>
           </a:p>
@@ -36635,7 +36590,7 @@
               <a:buChar char="•"/>
             </a:pPr>
             <a:r>
-              <a:rPr lang="en-GB" dirty="0">
+              <a:rPr lang="en-GB" sz="1800" dirty="0">
                 <a:solidFill>
                   <a:srgbClr val="002060"/>
                 </a:solidFill>
@@ -36643,7 +36598,7 @@
               <a:t>The </a:t>
             </a:r>
             <a:r>
-              <a:rPr lang="en-GB" b="1" dirty="0">
+              <a:rPr lang="en-GB" sz="1800" b="1" dirty="0">
                 <a:solidFill>
                   <a:srgbClr val="002060"/>
                 </a:solidFill>
@@ -36651,7 +36606,7 @@
               <a:t>largest</a:t>
             </a:r>
             <a:r>
-              <a:rPr lang="en-GB" dirty="0">
+              <a:rPr lang="en-GB" sz="1800" dirty="0">
                 <a:solidFill>
                   <a:srgbClr val="002060"/>
                 </a:solidFill>
@@ -36659,7 +36614,7 @@
               <a:t> average pre-invoice discount was given to </a:t>
             </a:r>
             <a:r>
-              <a:rPr lang="en-GB" b="1" dirty="0">
+              <a:rPr lang="en-GB" sz="1800" b="1" dirty="0">
                 <a:solidFill>
                   <a:srgbClr val="002060"/>
                 </a:solidFill>
@@ -36673,7 +36628,7 @@
               <a:buChar char="•"/>
             </a:pPr>
             <a:r>
-              <a:rPr lang="en-GB" dirty="0">
+              <a:rPr lang="en-GB" sz="1800" dirty="0">
                 <a:solidFill>
                   <a:srgbClr val="002060"/>
                 </a:solidFill>
@@ -36681,7 +36636,7 @@
               <a:t>The </a:t>
             </a:r>
             <a:r>
-              <a:rPr lang="en-GB" b="1" dirty="0">
+              <a:rPr lang="en-GB" sz="1800" b="1" dirty="0">
                 <a:solidFill>
                   <a:srgbClr val="002060"/>
                 </a:solidFill>
@@ -36689,7 +36644,7 @@
               <a:t>least</a:t>
             </a:r>
             <a:r>
-              <a:rPr lang="en-GB" dirty="0">
+              <a:rPr lang="en-GB" sz="1800" dirty="0">
                 <a:solidFill>
                   <a:srgbClr val="002060"/>
                 </a:solidFill>
@@ -36697,14 +36652,14 @@
               <a:t> average pre-invoice discount was given to </a:t>
             </a:r>
             <a:r>
-              <a:rPr lang="en-GB" b="1" dirty="0">
+              <a:rPr lang="en-GB" sz="1800" b="1" dirty="0">
                 <a:solidFill>
                   <a:srgbClr val="002060"/>
                 </a:solidFill>
               </a:rPr>
               <a:t>Amazon.</a:t>
             </a:r>
-            <a:endParaRPr lang="en-IN" b="1" dirty="0">
+            <a:endParaRPr lang="en-IN" sz="1800" b="1" dirty="0">
               <a:solidFill>
                 <a:srgbClr val="002060"/>
               </a:solidFill>
@@ -36714,10 +36669,10 @@
       </p:sp>
       <p:pic>
         <p:nvPicPr>
-          <p:cNvPr id="5" name="Picture 4">
-            <a:extLst>
-              <a:ext uri="{FF2B5EF4-FFF2-40B4-BE49-F238E27FC236}">
-                <a16:creationId xmlns:a16="http://schemas.microsoft.com/office/drawing/2014/main" id="{3D859CDF-F8C9-92F4-C323-5E10174478F7}"/>
+          <p:cNvPr id="8" name="Picture 7">
+            <a:extLst>
+              <a:ext uri="{FF2B5EF4-FFF2-40B4-BE49-F238E27FC236}">
+                <a16:creationId xmlns:a16="http://schemas.microsoft.com/office/drawing/2014/main" id="{4FA562D6-C917-B270-042D-68FD020D709A}"/>
               </a:ext>
             </a:extLst>
           </p:cNvPr>
@@ -36727,20 +36682,15 @@
           <p:nvPr/>
         </p:nvPicPr>
         <p:blipFill>
-          <a:blip r:embed="rId2">
-            <a:extLst>
-              <a:ext uri="{28A0092B-C50C-407E-A947-70E740481C1C}">
-                <a14:useLocalDpi xmlns:a14="http://schemas.microsoft.com/office/drawing/2010/main" val="0"/>
-              </a:ext>
-            </a:extLst>
-          </a:blip>
-          <a:srcRect/>
-          <a:stretch/>
+          <a:blip r:embed="rId2"/>
+          <a:stretch>
+            <a:fillRect/>
+          </a:stretch>
         </p:blipFill>
         <p:spPr>
           <a:xfrm>
-            <a:off x="512306" y="1094128"/>
-            <a:ext cx="5718165" cy="2670616"/>
+            <a:off x="512306" y="1377131"/>
+            <a:ext cx="2772162" cy="1028844"/>
           </a:xfrm>
           <a:prstGeom prst="rect">
             <a:avLst/>
@@ -36759,10 +36709,10 @@
       </p:pic>
       <p:pic>
         <p:nvPicPr>
-          <p:cNvPr id="8" name="Picture 7">
-            <a:extLst>
-              <a:ext uri="{FF2B5EF4-FFF2-40B4-BE49-F238E27FC236}">
-                <a16:creationId xmlns:a16="http://schemas.microsoft.com/office/drawing/2014/main" id="{4FA562D6-C917-B270-042D-68FD020D709A}"/>
+          <p:cNvPr id="10" name="Picture 9">
+            <a:extLst>
+              <a:ext uri="{FF2B5EF4-FFF2-40B4-BE49-F238E27FC236}">
+                <a16:creationId xmlns:a16="http://schemas.microsoft.com/office/drawing/2014/main" id="{0CE9FA61-7838-5484-E86D-26593891B91A}"/>
               </a:ext>
             </a:extLst>
           </p:cNvPr>
@@ -36773,46 +36723,6 @@
         </p:nvPicPr>
         <p:blipFill>
           <a:blip r:embed="rId3"/>
-          <a:stretch>
-            <a:fillRect/>
-          </a:stretch>
-        </p:blipFill>
-        <p:spPr>
-          <a:xfrm>
-            <a:off x="512306" y="4135222"/>
-            <a:ext cx="2772162" cy="1028844"/>
-          </a:xfrm>
-          <a:prstGeom prst="rect">
-            <a:avLst/>
-          </a:prstGeom>
-          <a:ln>
-            <a:noFill/>
-          </a:ln>
-          <a:effectLst>
-            <a:outerShdw blurRad="292100" dist="139700" dir="2700000" algn="tl" rotWithShape="0">
-              <a:srgbClr val="333333">
-                <a:alpha val="65000"/>
-              </a:srgbClr>
-            </a:outerShdw>
-          </a:effectLst>
-        </p:spPr>
-      </p:pic>
-      <p:pic>
-        <p:nvPicPr>
-          <p:cNvPr id="10" name="Picture 9">
-            <a:extLst>
-              <a:ext uri="{FF2B5EF4-FFF2-40B4-BE49-F238E27FC236}">
-                <a16:creationId xmlns:a16="http://schemas.microsoft.com/office/drawing/2014/main" id="{0CE9FA61-7838-5484-E86D-26593891B91A}"/>
-              </a:ext>
-            </a:extLst>
-          </p:cNvPr>
-          <p:cNvPicPr>
-            <a:picLocks noChangeAspect="1"/>
-          </p:cNvPicPr>
-          <p:nvPr/>
-        </p:nvPicPr>
-        <p:blipFill>
-          <a:blip r:embed="rId4"/>
           <a:stretch>
             <a:fillRect/>
           </a:stretch>
@@ -36923,8 +36833,8 @@
         </p:nvSpPr>
         <p:spPr>
           <a:xfrm>
-            <a:off x="2943400" y="5074803"/>
-            <a:ext cx="5009975" cy="1636830"/>
+            <a:off x="412376" y="3865054"/>
+            <a:ext cx="5978163" cy="1636830"/>
           </a:xfrm>
         </p:spPr>
         <p:txBody>
@@ -36933,10 +36843,9 @@
           <a:p>
             <a:pPr algn="l"/>
             <a:r>
-              <a:rPr lang="en-GB" sz="1600" b="1" dirty="0"/>
+              <a:rPr lang="en-GB" sz="2000" b="1" dirty="0"/>
               <a:t>Insights:</a:t>
             </a:r>
-            <a:endParaRPr lang="en-GB" b="1" dirty="0"/>
           </a:p>
           <a:p>
             <a:pPr marL="285750" indent="-285750" algn="l">
@@ -36944,7 +36853,7 @@
               <a:buChar char="•"/>
             </a:pPr>
             <a:r>
-              <a:rPr lang="en-GB" dirty="0">
+              <a:rPr lang="en-GB" sz="1800" dirty="0">
                 <a:solidFill>
                   <a:srgbClr val="002060"/>
                 </a:solidFill>
@@ -36952,7 +36861,7 @@
               <a:t>The </a:t>
             </a:r>
             <a:r>
-              <a:rPr lang="en-GB" b="1" dirty="0">
+              <a:rPr lang="en-GB" sz="1800" b="1" dirty="0">
                 <a:solidFill>
                   <a:srgbClr val="002060"/>
                 </a:solidFill>
@@ -36960,7 +36869,7 @@
               <a:t>lowest</a:t>
             </a:r>
             <a:r>
-              <a:rPr lang="en-GB" dirty="0">
+              <a:rPr lang="en-GB" sz="1800" dirty="0">
                 <a:solidFill>
                   <a:srgbClr val="002060"/>
                 </a:solidFill>
@@ -36968,7 +36877,7 @@
               <a:t> Gross sales total for both fiscal years is in </a:t>
             </a:r>
             <a:r>
-              <a:rPr lang="en-GB" b="1" dirty="0">
+              <a:rPr lang="en-GB" sz="1800" b="1" dirty="0">
                 <a:solidFill>
                   <a:srgbClr val="002060"/>
                 </a:solidFill>
@@ -36982,7 +36891,7 @@
               <a:buChar char="•"/>
             </a:pPr>
             <a:r>
-              <a:rPr lang="en-GB" dirty="0">
+              <a:rPr lang="en-GB" sz="1800" dirty="0">
                 <a:solidFill>
                   <a:srgbClr val="002060"/>
                 </a:solidFill>
@@ -36990,7 +36899,7 @@
               <a:t>The </a:t>
             </a:r>
             <a:r>
-              <a:rPr lang="en-GB" b="1" dirty="0">
+              <a:rPr lang="en-GB" sz="1800" b="1" dirty="0">
                 <a:solidFill>
                   <a:srgbClr val="002060"/>
                 </a:solidFill>
@@ -36998,7 +36907,7 @@
               <a:t>highest</a:t>
             </a:r>
             <a:r>
-              <a:rPr lang="en-GB" dirty="0">
+              <a:rPr lang="en-GB" sz="1800" dirty="0">
                 <a:solidFill>
                   <a:srgbClr val="002060"/>
                 </a:solidFill>
@@ -37006,7 +36915,7 @@
               <a:t> Gross sales total for both fiscal years is in </a:t>
             </a:r>
             <a:r>
-              <a:rPr lang="en-GB" b="1" dirty="0">
+              <a:rPr lang="en-GB" sz="1800" b="1" dirty="0">
                 <a:solidFill>
                   <a:srgbClr val="002060"/>
                 </a:solidFill>
@@ -37020,7 +36929,7 @@
               <a:buChar char="•"/>
             </a:pPr>
             <a:r>
-              <a:rPr lang="en-GB" b="1" dirty="0">
+              <a:rPr lang="en-GB" sz="1800" b="1" dirty="0">
                 <a:solidFill>
                   <a:srgbClr val="002060"/>
                 </a:solidFill>
@@ -37028,7 +36937,7 @@
               <a:t>73.8%</a:t>
             </a:r>
             <a:r>
-              <a:rPr lang="en-GB" dirty="0">
+              <a:rPr lang="en-GB" sz="1800" dirty="0">
                 <a:solidFill>
                   <a:srgbClr val="002060"/>
                 </a:solidFill>
@@ -37036,14 +36945,14 @@
               <a:t> of the total Gross sales figure is in </a:t>
             </a:r>
             <a:r>
-              <a:rPr lang="en-GB" b="1" dirty="0">
+              <a:rPr lang="en-GB" sz="1800" b="1" dirty="0">
                 <a:solidFill>
                   <a:srgbClr val="002060"/>
                 </a:solidFill>
               </a:rPr>
               <a:t>FY 2021.</a:t>
             </a:r>
-            <a:endParaRPr lang="en-IN" b="1" dirty="0">
+            <a:endParaRPr lang="en-IN" sz="1800" b="1" dirty="0">
               <a:solidFill>
                 <a:srgbClr val="002060"/>
               </a:solidFill>
@@ -37073,53 +36982,8 @@
         </p:blipFill>
         <p:spPr>
           <a:xfrm>
-            <a:off x="8284320" y="527188"/>
+            <a:off x="7056155" y="895102"/>
             <a:ext cx="3495304" cy="5366030"/>
-          </a:xfrm>
-          <a:prstGeom prst="rect">
-            <a:avLst/>
-          </a:prstGeom>
-          <a:ln>
-            <a:noFill/>
-          </a:ln>
-          <a:effectLst>
-            <a:outerShdw blurRad="292100" dist="139700" dir="2700000" algn="tl" rotWithShape="0">
-              <a:srgbClr val="333333">
-                <a:alpha val="65000"/>
-              </a:srgbClr>
-            </a:outerShdw>
-          </a:effectLst>
-        </p:spPr>
-      </p:pic>
-      <p:pic>
-        <p:nvPicPr>
-          <p:cNvPr id="8" name="Picture 7">
-            <a:extLst>
-              <a:ext uri="{FF2B5EF4-FFF2-40B4-BE49-F238E27FC236}">
-                <a16:creationId xmlns:a16="http://schemas.microsoft.com/office/drawing/2014/main" id="{7CC7457B-08F1-EE82-80B4-05CC8BC7292F}"/>
-              </a:ext>
-            </a:extLst>
-          </p:cNvPr>
-          <p:cNvPicPr>
-            <a:picLocks noChangeAspect="1"/>
-          </p:cNvPicPr>
-          <p:nvPr/>
-        </p:nvPicPr>
-        <p:blipFill>
-          <a:blip r:embed="rId3">
-            <a:extLst>
-              <a:ext uri="{28A0092B-C50C-407E-A947-70E740481C1C}">
-                <a14:useLocalDpi xmlns:a14="http://schemas.microsoft.com/office/drawing/2010/main" val="0"/>
-              </a:ext>
-            </a:extLst>
-          </a:blip>
-          <a:srcRect/>
-          <a:stretch/>
-        </p:blipFill>
-        <p:spPr>
-          <a:xfrm>
-            <a:off x="324047" y="953373"/>
-            <a:ext cx="4237284" cy="3415427"/>
           </a:xfrm>
           <a:prstGeom prst="rect">
             <a:avLst/>
@@ -37413,8 +37277,8 @@
         </p:nvSpPr>
         <p:spPr>
           <a:xfrm>
-            <a:off x="3954730" y="4181952"/>
-            <a:ext cx="5379770" cy="2208845"/>
+            <a:off x="559931" y="3429000"/>
+            <a:ext cx="6844916" cy="2208845"/>
           </a:xfrm>
         </p:spPr>
         <p:txBody>
@@ -37423,10 +37287,10 @@
           <a:p>
             <a:pPr algn="l"/>
             <a:r>
-              <a:rPr lang="en-GB" sz="1800" b="1" dirty="0"/>
+              <a:rPr lang="en-GB" sz="2000" b="1" dirty="0"/>
               <a:t>Insights:</a:t>
             </a:r>
-            <a:endParaRPr lang="en-GB" b="1" dirty="0">
+            <a:endParaRPr lang="en-GB" sz="2000" b="1" dirty="0">
               <a:solidFill>
                 <a:srgbClr val="002060"/>
               </a:solidFill>
@@ -37438,7 +37302,7 @@
               <a:buChar char="•"/>
             </a:pPr>
             <a:r>
-              <a:rPr lang="en-GB" b="1" dirty="0">
+              <a:rPr lang="en-GB" sz="1800" b="1" dirty="0">
                 <a:solidFill>
                   <a:srgbClr val="002060"/>
                 </a:solidFill>
@@ -37446,7 +37310,7 @@
               <a:t>Quarter 1 </a:t>
             </a:r>
             <a:r>
-              <a:rPr lang="en-GB" dirty="0">
+              <a:rPr lang="en-GB" sz="1800" dirty="0">
                 <a:solidFill>
                   <a:srgbClr val="002060"/>
                 </a:solidFill>
@@ -37454,7 +37318,7 @@
               <a:t>of FY2020 saw the most units sold overall, while </a:t>
             </a:r>
             <a:r>
-              <a:rPr lang="en-GB" b="1" dirty="0">
+              <a:rPr lang="en-GB" sz="1800" b="1" dirty="0">
                 <a:solidFill>
                   <a:srgbClr val="002060"/>
                 </a:solidFill>
@@ -37462,7 +37326,7 @@
               <a:t>Quarter 3</a:t>
             </a:r>
             <a:r>
-              <a:rPr lang="en-GB" dirty="0">
+              <a:rPr lang="en-GB" sz="1800" dirty="0">
                 <a:solidFill>
                   <a:srgbClr val="002060"/>
                 </a:solidFill>
@@ -37476,7 +37340,7 @@
               <a:buChar char="•"/>
             </a:pPr>
             <a:r>
-              <a:rPr lang="en-GB" dirty="0">
+              <a:rPr lang="en-GB" sz="1800" dirty="0">
                 <a:solidFill>
                   <a:srgbClr val="002060"/>
                 </a:solidFill>
@@ -37484,7 +37348,7 @@
               <a:t>The highest and lowest overall sold quantity is in </a:t>
             </a:r>
             <a:r>
-              <a:rPr lang="en-GB" b="1" dirty="0">
+              <a:rPr lang="en-GB" sz="1800" b="1" dirty="0">
                 <a:solidFill>
                   <a:srgbClr val="002060"/>
                 </a:solidFill>
@@ -37492,7 +37356,7 @@
               <a:t>December</a:t>
             </a:r>
             <a:r>
-              <a:rPr lang="en-GB" dirty="0">
+              <a:rPr lang="en-GB" sz="1800" dirty="0">
                 <a:solidFill>
                   <a:srgbClr val="002060"/>
                 </a:solidFill>
@@ -37500,7 +37364,7 @@
               <a:t> and </a:t>
             </a:r>
             <a:r>
-              <a:rPr lang="en-GB" b="1" dirty="0">
+              <a:rPr lang="en-GB" sz="1800" b="1" dirty="0">
                 <a:solidFill>
                   <a:srgbClr val="002060"/>
                 </a:solidFill>
@@ -37508,7 +37372,7 @@
               <a:t>March.</a:t>
             </a:r>
             <a:r>
-              <a:rPr lang="en-GB" dirty="0">
+              <a:rPr lang="en-GB" sz="1800" dirty="0">
                 <a:solidFill>
                   <a:srgbClr val="002060"/>
                 </a:solidFill>
@@ -37516,7 +37380,7 @@
               <a:t> Quarter 1 accounts for approximately </a:t>
             </a:r>
             <a:r>
-              <a:rPr lang="en-GB" b="1" dirty="0">
+              <a:rPr lang="en-GB" sz="1800" b="1" dirty="0">
                 <a:solidFill>
                   <a:srgbClr val="002060"/>
                 </a:solidFill>
@@ -37524,14 +37388,14 @@
               <a:t>34%</a:t>
             </a:r>
             <a:r>
-              <a:rPr lang="en-GB" dirty="0">
+              <a:rPr lang="en-GB" sz="1800" dirty="0">
                 <a:solidFill>
                   <a:srgbClr val="002060"/>
                 </a:solidFill>
               </a:rPr>
               <a:t> of the total sold quantity for FY2020</a:t>
             </a:r>
-            <a:endParaRPr lang="en-IN" dirty="0">
+            <a:endParaRPr lang="en-IN" sz="1800" dirty="0">
               <a:solidFill>
                 <a:srgbClr val="002060"/>
               </a:solidFill>
@@ -37541,10 +37405,10 @@
       </p:sp>
       <p:pic>
         <p:nvPicPr>
-          <p:cNvPr id="5" name="Picture 4">
-            <a:extLst>
-              <a:ext uri="{FF2B5EF4-FFF2-40B4-BE49-F238E27FC236}">
-                <a16:creationId xmlns:a16="http://schemas.microsoft.com/office/drawing/2014/main" id="{6814265E-9B5B-3CB9-5D2D-53F6E7BB1AC0}"/>
+          <p:cNvPr id="8" name="Picture 7">
+            <a:extLst>
+              <a:ext uri="{FF2B5EF4-FFF2-40B4-BE49-F238E27FC236}">
+                <a16:creationId xmlns:a16="http://schemas.microsoft.com/office/drawing/2014/main" id="{95EB5AB6-E724-B6BD-001B-1FEA22F2E86C}"/>
               </a:ext>
             </a:extLst>
           </p:cNvPr>
@@ -37554,20 +37418,15 @@
           <p:nvPr/>
         </p:nvPicPr>
         <p:blipFill>
-          <a:blip r:embed="rId2">
-            <a:extLst>
-              <a:ext uri="{28A0092B-C50C-407E-A947-70E740481C1C}">
-                <a14:useLocalDpi xmlns:a14="http://schemas.microsoft.com/office/drawing/2010/main" val="0"/>
-              </a:ext>
-            </a:extLst>
-          </a:blip>
-          <a:srcRect/>
-          <a:stretch/>
+          <a:blip r:embed="rId2"/>
+          <a:stretch>
+            <a:fillRect/>
+          </a:stretch>
         </p:blipFill>
         <p:spPr>
           <a:xfrm>
-            <a:off x="438150" y="705594"/>
-            <a:ext cx="3762452" cy="3075831"/>
+            <a:off x="559931" y="1463343"/>
+            <a:ext cx="2642142" cy="1079832"/>
           </a:xfrm>
           <a:prstGeom prst="rect">
             <a:avLst/>
@@ -37586,10 +37445,10 @@
       </p:pic>
       <p:pic>
         <p:nvPicPr>
-          <p:cNvPr id="8" name="Picture 7">
-            <a:extLst>
-              <a:ext uri="{FF2B5EF4-FFF2-40B4-BE49-F238E27FC236}">
-                <a16:creationId xmlns:a16="http://schemas.microsoft.com/office/drawing/2014/main" id="{95EB5AB6-E724-B6BD-001B-1FEA22F2E86C}"/>
+          <p:cNvPr id="10" name="Picture 9">
+            <a:extLst>
+              <a:ext uri="{FF2B5EF4-FFF2-40B4-BE49-F238E27FC236}">
+                <a16:creationId xmlns:a16="http://schemas.microsoft.com/office/drawing/2014/main" id="{9D413716-AAD7-AE44-D1F4-70D6DF2D51D7}"/>
               </a:ext>
             </a:extLst>
           </p:cNvPr>
@@ -37606,47 +37465,7 @@
         </p:blipFill>
         <p:spPr>
           <a:xfrm>
-            <a:off x="438150" y="4206543"/>
-            <a:ext cx="2642142" cy="1079832"/>
-          </a:xfrm>
-          <a:prstGeom prst="rect">
-            <a:avLst/>
-          </a:prstGeom>
-          <a:ln>
-            <a:noFill/>
-          </a:ln>
-          <a:effectLst>
-            <a:outerShdw blurRad="292100" dist="139700" dir="2700000" algn="tl" rotWithShape="0">
-              <a:srgbClr val="333333">
-                <a:alpha val="65000"/>
-              </a:srgbClr>
-            </a:outerShdw>
-          </a:effectLst>
-        </p:spPr>
-      </p:pic>
-      <p:pic>
-        <p:nvPicPr>
-          <p:cNvPr id="10" name="Picture 9">
-            <a:extLst>
-              <a:ext uri="{FF2B5EF4-FFF2-40B4-BE49-F238E27FC236}">
-                <a16:creationId xmlns:a16="http://schemas.microsoft.com/office/drawing/2014/main" id="{9D413716-AAD7-AE44-D1F4-70D6DF2D51D7}"/>
-              </a:ext>
-            </a:extLst>
-          </p:cNvPr>
-          <p:cNvPicPr>
-            <a:picLocks noChangeAspect="1"/>
-          </p:cNvPicPr>
-          <p:nvPr/>
-        </p:nvPicPr>
-        <p:blipFill>
-          <a:blip r:embed="rId4"/>
-          <a:stretch>
-            <a:fillRect/>
-          </a:stretch>
-        </p:blipFill>
-        <p:spPr>
-          <a:xfrm>
-            <a:off x="6519537" y="1171211"/>
+            <a:off x="6660741" y="818786"/>
             <a:ext cx="4658375" cy="2610214"/>
           </a:xfrm>
           <a:prstGeom prst="rect">
@@ -37891,7 +37710,7 @@
         </p:nvSpPr>
         <p:spPr>
           <a:xfrm>
-            <a:off x="6986842" y="1175449"/>
+            <a:off x="7201995" y="1184633"/>
             <a:ext cx="3914265" cy="515847"/>
           </a:xfrm>
         </p:spPr>
@@ -37954,8 +37773,8 @@
         </p:nvSpPr>
         <p:spPr>
           <a:xfrm>
-            <a:off x="4602429" y="5358185"/>
-            <a:ext cx="7113321" cy="1392615"/>
+            <a:off x="337297" y="3433138"/>
+            <a:ext cx="6162115" cy="1392615"/>
           </a:xfrm>
         </p:spPr>
         <p:txBody>
@@ -37964,10 +37783,9 @@
           <a:p>
             <a:pPr algn="l"/>
             <a:r>
-              <a:rPr lang="en-GB" sz="1600" b="1" dirty="0"/>
+              <a:rPr lang="en-GB" sz="2000" b="1" dirty="0"/>
               <a:t>Insights:</a:t>
             </a:r>
-            <a:endParaRPr lang="en-GB" sz="1200" b="1" dirty="0"/>
           </a:p>
           <a:p>
             <a:pPr marL="285750" indent="-285750" algn="l">
@@ -37975,7 +37793,7 @@
               <a:buChar char="•"/>
             </a:pPr>
             <a:r>
-              <a:rPr lang="en-GB" dirty="0">
+              <a:rPr lang="en-GB" sz="1800" dirty="0">
                 <a:solidFill>
                   <a:srgbClr val="002060"/>
                 </a:solidFill>
@@ -37983,7 +37801,7 @@
               <a:t>Channel: </a:t>
             </a:r>
             <a:r>
-              <a:rPr lang="en-GB" sz="1600" b="1" dirty="0">
+              <a:rPr lang="en-GB" sz="1800" b="1" dirty="0">
                 <a:solidFill>
                   <a:srgbClr val="002060"/>
                 </a:solidFill>
@@ -37991,7 +37809,7 @@
               <a:t>"Retailer"</a:t>
             </a:r>
             <a:r>
-              <a:rPr lang="en-GB" dirty="0">
+              <a:rPr lang="en-GB" sz="1800" dirty="0">
                 <a:solidFill>
                   <a:srgbClr val="002060"/>
                 </a:solidFill>
@@ -37999,7 +37817,7 @@
               <a:t> helped bring maximum sales to the company with </a:t>
             </a:r>
             <a:r>
-              <a:rPr lang="en-GB" sz="1600" b="1" dirty="0">
+              <a:rPr lang="en-GB" sz="1800" b="1" dirty="0">
                 <a:solidFill>
                   <a:srgbClr val="002060"/>
                 </a:solidFill>
@@ -38007,7 +37825,7 @@
               <a:t>73.22%</a:t>
             </a:r>
             <a:r>
-              <a:rPr lang="en-GB" dirty="0">
+              <a:rPr lang="en-GB" sz="1800" dirty="0">
                 <a:solidFill>
                   <a:srgbClr val="002060"/>
                 </a:solidFill>
@@ -38021,7 +37839,7 @@
               <a:buChar char="•"/>
             </a:pPr>
             <a:r>
-              <a:rPr lang="en-GB" dirty="0">
+              <a:rPr lang="en-GB" sz="1800" dirty="0">
                 <a:solidFill>
                   <a:srgbClr val="002060"/>
                 </a:solidFill>
@@ -38029,7 +37847,7 @@
               <a:t>Channel: </a:t>
             </a:r>
             <a:r>
-              <a:rPr lang="en-GB" sz="1600" b="1" dirty="0">
+              <a:rPr lang="en-GB" sz="1800" b="1" dirty="0">
                 <a:solidFill>
                   <a:srgbClr val="002060"/>
                 </a:solidFill>
@@ -38037,7 +37855,7 @@
               <a:t>"Distributor"</a:t>
             </a:r>
             <a:r>
-              <a:rPr lang="en-GB" dirty="0">
+              <a:rPr lang="en-GB" sz="1800" dirty="0">
                 <a:solidFill>
                   <a:srgbClr val="002060"/>
                 </a:solidFill>
@@ -38045,14 +37863,14 @@
               <a:t> makes the least contribution at a percentage of </a:t>
             </a:r>
             <a:r>
-              <a:rPr lang="en-GB" sz="1600" b="1" dirty="0">
+              <a:rPr lang="en-GB" sz="1800" b="1" dirty="0">
                 <a:solidFill>
                   <a:srgbClr val="002060"/>
                 </a:solidFill>
               </a:rPr>
               <a:t>11.31%.</a:t>
             </a:r>
-            <a:endParaRPr lang="en-IN" b="1" dirty="0">
+            <a:endParaRPr lang="en-IN" sz="1800" b="1" dirty="0">
               <a:solidFill>
                 <a:srgbClr val="002060"/>
               </a:solidFill>
@@ -38062,10 +37880,10 @@
       </p:sp>
       <p:pic>
         <p:nvPicPr>
-          <p:cNvPr id="5" name="Picture 4">
-            <a:extLst>
-              <a:ext uri="{FF2B5EF4-FFF2-40B4-BE49-F238E27FC236}">
-                <a16:creationId xmlns:a16="http://schemas.microsoft.com/office/drawing/2014/main" id="{7F7AB537-1062-A629-208B-BB1D931F964D}"/>
+          <p:cNvPr id="8" name="Picture 7">
+            <a:extLst>
+              <a:ext uri="{FF2B5EF4-FFF2-40B4-BE49-F238E27FC236}">
+                <a16:creationId xmlns:a16="http://schemas.microsoft.com/office/drawing/2014/main" id="{3048C9CB-1FC8-3897-0468-96E340BAEA53}"/>
               </a:ext>
             </a:extLst>
           </p:cNvPr>
@@ -38075,20 +37893,15 @@
           <p:nvPr/>
         </p:nvPicPr>
         <p:blipFill>
-          <a:blip r:embed="rId2">
-            <a:extLst>
-              <a:ext uri="{28A0092B-C50C-407E-A947-70E740481C1C}">
-                <a14:useLocalDpi xmlns:a14="http://schemas.microsoft.com/office/drawing/2010/main" val="0"/>
-              </a:ext>
-            </a:extLst>
-          </a:blip>
-          <a:srcRect/>
-          <a:stretch/>
+          <a:blip r:embed="rId2"/>
+          <a:stretch>
+            <a:fillRect/>
+          </a:stretch>
         </p:blipFill>
         <p:spPr>
           <a:xfrm>
-            <a:off x="559931" y="894873"/>
-            <a:ext cx="4391026" cy="3562350"/>
+            <a:off x="559931" y="1163775"/>
+            <a:ext cx="3716689" cy="868473"/>
           </a:xfrm>
           <a:prstGeom prst="rect">
             <a:avLst/>
@@ -38107,10 +37920,10 @@
       </p:pic>
       <p:pic>
         <p:nvPicPr>
-          <p:cNvPr id="8" name="Picture 7">
-            <a:extLst>
-              <a:ext uri="{FF2B5EF4-FFF2-40B4-BE49-F238E27FC236}">
-                <a16:creationId xmlns:a16="http://schemas.microsoft.com/office/drawing/2014/main" id="{3048C9CB-1FC8-3897-0468-96E340BAEA53}"/>
+          <p:cNvPr id="10" name="Picture 9">
+            <a:extLst>
+              <a:ext uri="{FF2B5EF4-FFF2-40B4-BE49-F238E27FC236}">
+                <a16:creationId xmlns:a16="http://schemas.microsoft.com/office/drawing/2014/main" id="{007D53CE-2C7A-335C-61C9-B834445B4B17}"/>
               </a:ext>
             </a:extLst>
           </p:cNvPr>
@@ -38121,52 +37934,12 @@
         </p:nvPicPr>
         <p:blipFill>
           <a:blip r:embed="rId3"/>
-          <a:stretch>
-            <a:fillRect/>
-          </a:stretch>
-        </p:blipFill>
-        <p:spPr>
-          <a:xfrm>
-            <a:off x="559931" y="4646502"/>
-            <a:ext cx="3716689" cy="868473"/>
-          </a:xfrm>
-          <a:prstGeom prst="rect">
-            <a:avLst/>
-          </a:prstGeom>
-          <a:ln>
-            <a:noFill/>
-          </a:ln>
-          <a:effectLst>
-            <a:outerShdw blurRad="292100" dist="139700" dir="2700000" algn="tl" rotWithShape="0">
-              <a:srgbClr val="333333">
-                <a:alpha val="65000"/>
-              </a:srgbClr>
-            </a:outerShdw>
-          </a:effectLst>
-        </p:spPr>
-      </p:pic>
-      <p:pic>
-        <p:nvPicPr>
-          <p:cNvPr id="10" name="Picture 9">
-            <a:extLst>
-              <a:ext uri="{FF2B5EF4-FFF2-40B4-BE49-F238E27FC236}">
-                <a16:creationId xmlns:a16="http://schemas.microsoft.com/office/drawing/2014/main" id="{007D53CE-2C7A-335C-61C9-B834445B4B17}"/>
-              </a:ext>
-            </a:extLst>
-          </p:cNvPr>
-          <p:cNvPicPr>
-            <a:picLocks noChangeAspect="1"/>
-          </p:cNvPicPr>
-          <p:nvPr/>
-        </p:nvPicPr>
-        <p:blipFill>
-          <a:blip r:embed="rId4"/>
           <a:srcRect l="4572" t="10505" r="4282" b="7069"/>
           <a:stretch/>
         </p:blipFill>
         <p:spPr>
           <a:xfrm>
-            <a:off x="6096000" y="1827579"/>
+            <a:off x="6311153" y="1863438"/>
             <a:ext cx="5695950" cy="2818923"/>
           </a:xfrm>
           <a:prstGeom prst="rect">
@@ -38271,7 +38044,7 @@
         </p:nvSpPr>
         <p:spPr>
           <a:xfrm>
-            <a:off x="5090248" y="5358185"/>
+            <a:off x="559931" y="3986585"/>
             <a:ext cx="6894246" cy="1392615"/>
           </a:xfrm>
         </p:spPr>
@@ -38281,10 +38054,10 @@
           <a:p>
             <a:pPr algn="l"/>
             <a:r>
-              <a:rPr lang="en-GB" sz="1800" b="1" dirty="0"/>
+              <a:rPr lang="en-GB" sz="2000" b="1" dirty="0"/>
               <a:t>Insight:</a:t>
             </a:r>
-            <a:endParaRPr lang="en-GB" dirty="0"/>
+            <a:endParaRPr lang="en-GB" sz="2000" dirty="0"/>
           </a:p>
           <a:p>
             <a:pPr marL="285750" indent="-285750" algn="l">
@@ -38292,7 +38065,7 @@
               <a:buChar char="•"/>
             </a:pPr>
             <a:r>
-              <a:rPr lang="en-GB" dirty="0">
+              <a:rPr lang="en-GB" sz="1800" dirty="0">
                 <a:solidFill>
                   <a:srgbClr val="002060"/>
                 </a:solidFill>
@@ -38300,7 +38073,7 @@
               <a:t>Every division has a product with </a:t>
             </a:r>
             <a:r>
-              <a:rPr lang="en-GB" b="1" dirty="0">
+              <a:rPr lang="en-GB" sz="1800" b="1" dirty="0">
                 <a:solidFill>
                   <a:srgbClr val="002060"/>
                 </a:solidFill>
@@ -38308,7 +38081,7 @@
               <a:t>different variants</a:t>
             </a:r>
             <a:r>
-              <a:rPr lang="en-GB" dirty="0">
+              <a:rPr lang="en-GB" sz="1800" dirty="0">
                 <a:solidFill>
                   <a:srgbClr val="002060"/>
                 </a:solidFill>
@@ -38316,7 +38089,7 @@
               <a:t> that appears </a:t>
             </a:r>
             <a:r>
-              <a:rPr lang="en-GB" b="1" dirty="0">
+              <a:rPr lang="en-GB" sz="1800" b="1" dirty="0">
                 <a:solidFill>
                   <a:srgbClr val="002060"/>
                 </a:solidFill>
@@ -38324,14 +38097,14 @@
               <a:t>twice</a:t>
             </a:r>
             <a:r>
-              <a:rPr lang="en-GB" dirty="0">
+              <a:rPr lang="en-GB" sz="1800" dirty="0">
                 <a:solidFill>
                   <a:srgbClr val="002060"/>
                 </a:solidFill>
               </a:rPr>
               <a:t> in the top three products by division list.</a:t>
             </a:r>
-            <a:endParaRPr lang="en-IN" dirty="0">
+            <a:endParaRPr lang="en-IN" sz="1800" dirty="0">
               <a:solidFill>
                 <a:srgbClr val="002060"/>
               </a:solidFill>
@@ -38341,10 +38114,10 @@
       </p:sp>
       <p:pic>
         <p:nvPicPr>
-          <p:cNvPr id="7" name="Picture 6">
-            <a:extLst>
-              <a:ext uri="{FF2B5EF4-FFF2-40B4-BE49-F238E27FC236}">
-                <a16:creationId xmlns:a16="http://schemas.microsoft.com/office/drawing/2014/main" id="{4364287A-E1E2-773A-E6CA-D2E17601C22A}"/>
+          <p:cNvPr id="11" name="Picture 10">
+            <a:extLst>
+              <a:ext uri="{FF2B5EF4-FFF2-40B4-BE49-F238E27FC236}">
+                <a16:creationId xmlns:a16="http://schemas.microsoft.com/office/drawing/2014/main" id="{C2D73357-3B93-5E07-BA0D-942E015EA724}"/>
               </a:ext>
             </a:extLst>
           </p:cNvPr>
@@ -38354,49 +38127,14 @@
           <p:nvPr/>
         </p:nvPicPr>
         <p:blipFill>
-          <a:blip r:embed="rId2">
-            <a:extLst>
-              <a:ext uri="{28A0092B-C50C-407E-A947-70E740481C1C}">
-                <a14:useLocalDpi xmlns:a14="http://schemas.microsoft.com/office/drawing/2010/main" val="0"/>
-              </a:ext>
-            </a:extLst>
-          </a:blip>
-          <a:srcRect/>
-          <a:stretch/>
-        </p:blipFill>
-        <p:spPr>
-          <a:xfrm>
-            <a:off x="207506" y="931359"/>
-            <a:ext cx="4286250" cy="3276600"/>
-          </a:xfrm>
-          <a:prstGeom prst="rect">
-            <a:avLst/>
-          </a:prstGeom>
-        </p:spPr>
-      </p:pic>
-      <p:pic>
-        <p:nvPicPr>
-          <p:cNvPr id="11" name="Picture 10">
-            <a:extLst>
-              <a:ext uri="{FF2B5EF4-FFF2-40B4-BE49-F238E27FC236}">
-                <a16:creationId xmlns:a16="http://schemas.microsoft.com/office/drawing/2014/main" id="{C2D73357-3B93-5E07-BA0D-942E015EA724}"/>
-              </a:ext>
-            </a:extLst>
-          </p:cNvPr>
-          <p:cNvPicPr>
-            <a:picLocks noChangeAspect="1"/>
-          </p:cNvPicPr>
-          <p:nvPr/>
-        </p:nvPicPr>
-        <p:blipFill>
-          <a:blip r:embed="rId3"/>
+          <a:blip r:embed="rId2"/>
           <a:stretch>
             <a:fillRect/>
           </a:stretch>
         </p:blipFill>
         <p:spPr>
           <a:xfrm>
-            <a:off x="5331955" y="2197195"/>
+            <a:off x="559931" y="1184183"/>
             <a:ext cx="5879191" cy="2174780"/>
           </a:xfrm>
           <a:prstGeom prst="rect">
@@ -40125,7 +39863,7 @@
         </p:blipFill>
         <p:spPr>
           <a:xfrm>
-            <a:off x="1487579" y="3512632"/>
+            <a:off x="1160927" y="1450749"/>
             <a:ext cx="1837765" cy="3175786"/>
           </a:xfrm>
           <a:prstGeom prst="rect">
@@ -40202,42 +39940,6 @@
           </a:p>
         </p:txBody>
       </p:sp>
-      <p:pic>
-        <p:nvPicPr>
-          <p:cNvPr id="6" name="Picture 5">
-            <a:extLst>
-              <a:ext uri="{FF2B5EF4-FFF2-40B4-BE49-F238E27FC236}">
-                <a16:creationId xmlns:a16="http://schemas.microsoft.com/office/drawing/2014/main" id="{BC81F21C-84F0-3187-CDA6-3E269450FE17}"/>
-              </a:ext>
-            </a:extLst>
-          </p:cNvPr>
-          <p:cNvPicPr>
-            <a:picLocks noChangeAspect="1"/>
-          </p:cNvPicPr>
-          <p:nvPr/>
-        </p:nvPicPr>
-        <p:blipFill>
-          <a:blip r:embed="rId4">
-            <a:extLst>
-              <a:ext uri="{28A0092B-C50C-407E-A947-70E740481C1C}">
-                <a14:useLocalDpi xmlns:a14="http://schemas.microsoft.com/office/drawing/2010/main" val="0"/>
-              </a:ext>
-            </a:extLst>
-          </a:blip>
-          <a:stretch>
-            <a:fillRect/>
-          </a:stretch>
-        </p:blipFill>
-        <p:spPr>
-          <a:xfrm>
-            <a:off x="968187" y="675022"/>
-            <a:ext cx="2876550" cy="2752725"/>
-          </a:xfrm>
-          <a:prstGeom prst="rect">
-            <a:avLst/>
-          </a:prstGeom>
-        </p:spPr>
-      </p:pic>
     </p:spTree>
     <p:extLst>
       <p:ext uri="{BB962C8B-B14F-4D97-AF65-F5344CB8AC3E}">
@@ -40459,10 +40161,10 @@
       </p:sp>
       <p:pic>
         <p:nvPicPr>
-          <p:cNvPr id="5" name="Picture 4">
-            <a:extLst>
-              <a:ext uri="{FF2B5EF4-FFF2-40B4-BE49-F238E27FC236}">
-                <a16:creationId xmlns:a16="http://schemas.microsoft.com/office/drawing/2014/main" id="{4AC5A4E4-645E-D257-5AC7-B3D29352AC26}"/>
+          <p:cNvPr id="8" name="Picture 7">
+            <a:extLst>
+              <a:ext uri="{FF2B5EF4-FFF2-40B4-BE49-F238E27FC236}">
+                <a16:creationId xmlns:a16="http://schemas.microsoft.com/office/drawing/2014/main" id="{A568AAD1-0168-59AA-9BFD-0BF67BE67EC9}"/>
               </a:ext>
             </a:extLst>
           </p:cNvPr>
@@ -40472,59 +40174,14 @@
           <p:nvPr/>
         </p:nvPicPr>
         <p:blipFill>
-          <a:blip r:embed="rId3">
-            <a:extLst>
-              <a:ext uri="{28A0092B-C50C-407E-A947-70E740481C1C}">
-                <a14:useLocalDpi xmlns:a14="http://schemas.microsoft.com/office/drawing/2010/main" val="0"/>
-              </a:ext>
-            </a:extLst>
-          </a:blip>
-          <a:srcRect/>
-          <a:stretch/>
-        </p:blipFill>
-        <p:spPr>
-          <a:xfrm>
-            <a:off x="0" y="1172272"/>
-            <a:ext cx="4598894" cy="5091953"/>
-          </a:xfrm>
-          <a:prstGeom prst="rect">
-            <a:avLst/>
-          </a:prstGeom>
-          <a:ln>
-            <a:noFill/>
-          </a:ln>
-          <a:effectLst>
-            <a:outerShdw blurRad="292100" dist="139700" dir="2700000" algn="tl" rotWithShape="0">
-              <a:srgbClr val="333333">
-                <a:alpha val="65000"/>
-              </a:srgbClr>
-            </a:outerShdw>
-          </a:effectLst>
-        </p:spPr>
-      </p:pic>
-      <p:pic>
-        <p:nvPicPr>
-          <p:cNvPr id="8" name="Picture 7">
-            <a:extLst>
-              <a:ext uri="{FF2B5EF4-FFF2-40B4-BE49-F238E27FC236}">
-                <a16:creationId xmlns:a16="http://schemas.microsoft.com/office/drawing/2014/main" id="{A568AAD1-0168-59AA-9BFD-0BF67BE67EC9}"/>
-              </a:ext>
-            </a:extLst>
-          </p:cNvPr>
-          <p:cNvPicPr>
-            <a:picLocks noChangeAspect="1"/>
-          </p:cNvPicPr>
-          <p:nvPr/>
-        </p:nvPicPr>
-        <p:blipFill>
-          <a:blip r:embed="rId4"/>
+          <a:blip r:embed="rId3"/>
           <a:stretch>
             <a:fillRect/>
           </a:stretch>
         </p:blipFill>
         <p:spPr>
           <a:xfrm>
-            <a:off x="7753672" y="1585352"/>
+            <a:off x="572750" y="2175598"/>
             <a:ext cx="3791479" cy="390580"/>
           </a:xfrm>
           <a:prstGeom prst="rect">
@@ -40743,7 +40400,7 @@
         </p:nvSpPr>
         <p:spPr>
           <a:xfrm>
-            <a:off x="5145740" y="5925671"/>
+            <a:off x="572750" y="4389690"/>
             <a:ext cx="4912659" cy="677108"/>
           </a:xfrm>
           <a:prstGeom prst="rect">
@@ -40775,7 +40432,7 @@
             <a:r>
               <a:rPr lang="en-IN" dirty="0">
                 <a:solidFill>
-                  <a:srgbClr val="0070C0"/>
+                  <a:srgbClr val="002060"/>
                 </a:solidFill>
               </a:rPr>
               <a:t>Demand and production both </a:t>
@@ -40783,14 +40440,14 @@
             <a:r>
               <a:rPr lang="en-IN" b="1" dirty="0">
                 <a:solidFill>
-                  <a:srgbClr val="0070C0"/>
+                  <a:srgbClr val="002060"/>
                 </a:solidFill>
               </a:rPr>
               <a:t>increased</a:t>
             </a:r>
             <a:endParaRPr lang="en-IN" dirty="0">
               <a:solidFill>
-                <a:srgbClr val="0070C0"/>
+                <a:srgbClr val="002060"/>
               </a:solidFill>
             </a:endParaRPr>
           </a:p>
@@ -40965,8 +40622,8 @@
         </p:nvSpPr>
         <p:spPr>
           <a:xfrm>
-            <a:off x="2859741" y="5272060"/>
-            <a:ext cx="7611035" cy="1254664"/>
+            <a:off x="422657" y="3863790"/>
+            <a:ext cx="6422883" cy="1448175"/>
           </a:xfrm>
         </p:spPr>
         <p:txBody>
@@ -40975,10 +40632,10 @@
           <a:p>
             <a:pPr algn="l"/>
             <a:r>
-              <a:rPr lang="en-GB" sz="1600" b="1" dirty="0"/>
+              <a:rPr lang="en-GB" sz="2000" b="1" dirty="0"/>
               <a:t>Insights:</a:t>
             </a:r>
-            <a:endParaRPr lang="en-GB" b="1" dirty="0">
+            <a:endParaRPr lang="en-GB" sz="2000" b="1" dirty="0">
               <a:solidFill>
                 <a:srgbClr val="0070C0"/>
               </a:solidFill>
@@ -40990,12 +40647,28 @@
               <a:buChar char="•"/>
             </a:pPr>
             <a:r>
-              <a:rPr lang="en-GB" dirty="0">
+              <a:rPr lang="en-GB" sz="1800" dirty="0">
                 <a:solidFill>
-                  <a:srgbClr val="0070C0"/>
+                  <a:srgbClr val="002060"/>
                 </a:solidFill>
               </a:rPr>
-              <a:t>Segments: notebooks, accessories, and peripherals are showing significant manufacturing growth as compared to desktops, storage, and networking.</a:t>
+              <a:t>Segments: notebooks, accessories, and peripherals are showing </a:t>
+            </a:r>
+            <a:r>
+              <a:rPr lang="en-GB" sz="1800" b="1" dirty="0">
+                <a:solidFill>
+                  <a:srgbClr val="002060"/>
+                </a:solidFill>
+              </a:rPr>
+              <a:t>significant manufacturing growth</a:t>
+            </a:r>
+            <a:r>
+              <a:rPr lang="en-GB" sz="1800" dirty="0">
+                <a:solidFill>
+                  <a:srgbClr val="002060"/>
+                </a:solidFill>
+              </a:rPr>
+              <a:t> as compared to desktops, storage, and networking.</a:t>
             </a:r>
           </a:p>
           <a:p>
@@ -41004,16 +40677,32 @@
               <a:buChar char="•"/>
             </a:pPr>
             <a:r>
-              <a:rPr lang="en-GB" dirty="0">
+              <a:rPr lang="en-GB" sz="1800" dirty="0">
                 <a:solidFill>
-                  <a:srgbClr val="0070C0"/>
+                  <a:srgbClr val="002060"/>
                 </a:solidFill>
               </a:rPr>
-              <a:t>Notebooks, accessories, and peripherals constitute 83% of the total manufactured product.</a:t>
-            </a:r>
-            <a:endParaRPr lang="en-IN" dirty="0">
+              <a:t>Notebooks, accessories, and peripherals constitute </a:t>
+            </a:r>
+            <a:r>
+              <a:rPr lang="en-GB" sz="1800" b="1" dirty="0">
+                <a:solidFill>
+                  <a:srgbClr val="002060"/>
+                </a:solidFill>
+              </a:rPr>
+              <a:t>83%</a:t>
+            </a:r>
+            <a:r>
+              <a:rPr lang="en-GB" sz="1800" dirty="0">
+                <a:solidFill>
+                  <a:srgbClr val="002060"/>
+                </a:solidFill>
+              </a:rPr>
+              <a:t> of the total manufactured product.</a:t>
+            </a:r>
+            <a:endParaRPr lang="en-IN" sz="1800" dirty="0">
               <a:solidFill>
-                <a:srgbClr val="0070C0"/>
+                <a:srgbClr val="002060"/>
               </a:solidFill>
             </a:endParaRPr>
           </a:p>
@@ -41021,10 +40710,10 @@
       </p:sp>
       <p:pic>
         <p:nvPicPr>
-          <p:cNvPr id="5" name="Picture 4">
-            <a:extLst>
-              <a:ext uri="{FF2B5EF4-FFF2-40B4-BE49-F238E27FC236}">
-                <a16:creationId xmlns:a16="http://schemas.microsoft.com/office/drawing/2014/main" id="{708015A5-17CC-A17A-39BE-78E480B125A4}"/>
+          <p:cNvPr id="8" name="Picture 7">
+            <a:extLst>
+              <a:ext uri="{FF2B5EF4-FFF2-40B4-BE49-F238E27FC236}">
+                <a16:creationId xmlns:a16="http://schemas.microsoft.com/office/drawing/2014/main" id="{3D46A477-9EC2-DFCC-DE4B-3ADCA96CCD12}"/>
               </a:ext>
             </a:extLst>
           </p:cNvPr>
@@ -41034,20 +40723,15 @@
           <p:nvPr/>
         </p:nvPicPr>
         <p:blipFill>
-          <a:blip r:embed="rId2">
-            <a:extLst>
-              <a:ext uri="{28A0092B-C50C-407E-A947-70E740481C1C}">
-                <a14:useLocalDpi xmlns:a14="http://schemas.microsoft.com/office/drawing/2010/main" val="0"/>
-              </a:ext>
-            </a:extLst>
-          </a:blip>
-          <a:srcRect/>
-          <a:stretch/>
+          <a:blip r:embed="rId2"/>
+          <a:stretch>
+            <a:fillRect/>
+          </a:stretch>
         </p:blipFill>
         <p:spPr>
           <a:xfrm>
-            <a:off x="286871" y="1132293"/>
-            <a:ext cx="5145741" cy="1914810"/>
+            <a:off x="422657" y="1283326"/>
+            <a:ext cx="2620641" cy="1710885"/>
           </a:xfrm>
           <a:prstGeom prst="rect">
             <a:avLst/>
@@ -41066,10 +40750,10 @@
       </p:pic>
       <p:pic>
         <p:nvPicPr>
-          <p:cNvPr id="8" name="Picture 7">
-            <a:extLst>
-              <a:ext uri="{FF2B5EF4-FFF2-40B4-BE49-F238E27FC236}">
-                <a16:creationId xmlns:a16="http://schemas.microsoft.com/office/drawing/2014/main" id="{3D46A477-9EC2-DFCC-DE4B-3ADCA96CCD12}"/>
+          <p:cNvPr id="10" name="Picture 9">
+            <a:extLst>
+              <a:ext uri="{FF2B5EF4-FFF2-40B4-BE49-F238E27FC236}">
+                <a16:creationId xmlns:a16="http://schemas.microsoft.com/office/drawing/2014/main" id="{8715E953-D615-0C45-CA4A-0B4DCE972DDD}"/>
               </a:ext>
             </a:extLst>
           </p:cNvPr>
@@ -41080,46 +40764,6 @@
         </p:nvPicPr>
         <p:blipFill>
           <a:blip r:embed="rId3"/>
-          <a:stretch>
-            <a:fillRect/>
-          </a:stretch>
-        </p:blipFill>
-        <p:spPr>
-          <a:xfrm>
-            <a:off x="286871" y="3210739"/>
-            <a:ext cx="2319789" cy="1514474"/>
-          </a:xfrm>
-          <a:prstGeom prst="rect">
-            <a:avLst/>
-          </a:prstGeom>
-          <a:ln>
-            <a:noFill/>
-          </a:ln>
-          <a:effectLst>
-            <a:outerShdw blurRad="292100" dist="139700" dir="2700000" algn="tl" rotWithShape="0">
-              <a:srgbClr val="333333">
-                <a:alpha val="65000"/>
-              </a:srgbClr>
-            </a:outerShdw>
-          </a:effectLst>
-        </p:spPr>
-      </p:pic>
-      <p:pic>
-        <p:nvPicPr>
-          <p:cNvPr id="10" name="Picture 9">
-            <a:extLst>
-              <a:ext uri="{FF2B5EF4-FFF2-40B4-BE49-F238E27FC236}">
-                <a16:creationId xmlns:a16="http://schemas.microsoft.com/office/drawing/2014/main" id="{8715E953-D615-0C45-CA4A-0B4DCE972DDD}"/>
-              </a:ext>
-            </a:extLst>
-          </p:cNvPr>
-          <p:cNvPicPr>
-            <a:picLocks noChangeAspect="1"/>
-          </p:cNvPicPr>
-          <p:nvPr/>
-        </p:nvPicPr>
-        <p:blipFill>
-          <a:blip r:embed="rId4"/>
           <a:stretch>
             <a:fillRect/>
           </a:stretch>
@@ -41233,7 +40877,7 @@
         </p:nvSpPr>
         <p:spPr>
           <a:xfrm>
-            <a:off x="7635101" y="2044723"/>
+            <a:off x="7428913" y="1102846"/>
             <a:ext cx="3125371" cy="515847"/>
           </a:xfrm>
         </p:spPr>
@@ -41270,10 +40914,10 @@
       </p:sp>
       <p:pic>
         <p:nvPicPr>
-          <p:cNvPr id="9" name="Picture 8">
-            <a:extLst>
-              <a:ext uri="{FF2B5EF4-FFF2-40B4-BE49-F238E27FC236}">
-                <a16:creationId xmlns:a16="http://schemas.microsoft.com/office/drawing/2014/main" id="{3A1A55B3-E02D-1D72-BB76-4FBFBDF494EF}"/>
+          <p:cNvPr id="11" name="Picture 10">
+            <a:extLst>
+              <a:ext uri="{FF2B5EF4-FFF2-40B4-BE49-F238E27FC236}">
+                <a16:creationId xmlns:a16="http://schemas.microsoft.com/office/drawing/2014/main" id="{32783B5B-BF18-6ED3-13BE-1EC557635FB3}"/>
               </a:ext>
             </a:extLst>
           </p:cNvPr>
@@ -41283,20 +40927,15 @@
           <p:nvPr/>
         </p:nvPicPr>
         <p:blipFill>
-          <a:blip r:embed="rId2">
-            <a:extLst>
-              <a:ext uri="{28A0092B-C50C-407E-A947-70E740481C1C}">
-                <a14:useLocalDpi xmlns:a14="http://schemas.microsoft.com/office/drawing/2010/main" val="0"/>
-              </a:ext>
-            </a:extLst>
-          </a:blip>
-          <a:srcRect/>
-          <a:stretch/>
+          <a:blip r:embed="rId2"/>
+          <a:stretch>
+            <a:fillRect/>
+          </a:stretch>
         </p:blipFill>
         <p:spPr>
           <a:xfrm>
-            <a:off x="439272" y="785621"/>
-            <a:ext cx="3837654" cy="3131955"/>
+            <a:off x="512306" y="1293253"/>
+            <a:ext cx="3553276" cy="1581857"/>
           </a:xfrm>
           <a:prstGeom prst="rect">
             <a:avLst/>
@@ -41315,10 +40954,10 @@
       </p:pic>
       <p:pic>
         <p:nvPicPr>
-          <p:cNvPr id="11" name="Picture 10">
-            <a:extLst>
-              <a:ext uri="{FF2B5EF4-FFF2-40B4-BE49-F238E27FC236}">
-                <a16:creationId xmlns:a16="http://schemas.microsoft.com/office/drawing/2014/main" id="{32783B5B-BF18-6ED3-13BE-1EC557635FB3}"/>
+          <p:cNvPr id="13" name="Picture 12">
+            <a:extLst>
+              <a:ext uri="{FF2B5EF4-FFF2-40B4-BE49-F238E27FC236}">
+                <a16:creationId xmlns:a16="http://schemas.microsoft.com/office/drawing/2014/main" id="{95BE9671-0A4F-E6A5-105F-20DC02A3EB02}"/>
               </a:ext>
             </a:extLst>
           </p:cNvPr>
@@ -41329,14 +40968,13 @@
         </p:nvPicPr>
         <p:blipFill>
           <a:blip r:embed="rId3"/>
-          <a:stretch>
-            <a:fillRect/>
-          </a:stretch>
+          <a:srcRect l="3546" r="5939"/>
+          <a:stretch/>
         </p:blipFill>
         <p:spPr>
           <a:xfrm>
-            <a:off x="439272" y="4089509"/>
-            <a:ext cx="2867425" cy="1276528"/>
+            <a:off x="7055225" y="2166899"/>
+            <a:ext cx="4069977" cy="2896004"/>
           </a:xfrm>
           <a:prstGeom prst="rect">
             <a:avLst/>
@@ -41353,45 +40991,6 @@
           </a:effectLst>
         </p:spPr>
       </p:pic>
-      <p:pic>
-        <p:nvPicPr>
-          <p:cNvPr id="13" name="Picture 12">
-            <a:extLst>
-              <a:ext uri="{FF2B5EF4-FFF2-40B4-BE49-F238E27FC236}">
-                <a16:creationId xmlns:a16="http://schemas.microsoft.com/office/drawing/2014/main" id="{95BE9671-0A4F-E6A5-105F-20DC02A3EB02}"/>
-              </a:ext>
-            </a:extLst>
-          </p:cNvPr>
-          <p:cNvPicPr>
-            <a:picLocks noChangeAspect="1"/>
-          </p:cNvPicPr>
-          <p:nvPr/>
-        </p:nvPicPr>
-        <p:blipFill>
-          <a:blip r:embed="rId4"/>
-          <a:srcRect l="3546" r="5939"/>
-          <a:stretch/>
-        </p:blipFill>
-        <p:spPr>
-          <a:xfrm>
-            <a:off x="7162799" y="2875111"/>
-            <a:ext cx="4069977" cy="2896004"/>
-          </a:xfrm>
-          <a:prstGeom prst="rect">
-            <a:avLst/>
-          </a:prstGeom>
-          <a:ln>
-            <a:noFill/>
-          </a:ln>
-          <a:effectLst>
-            <a:outerShdw blurRad="292100" dist="139700" dir="2700000" algn="tl" rotWithShape="0">
-              <a:srgbClr val="333333">
-                <a:alpha val="65000"/>
-              </a:srgbClr>
-            </a:outerShdw>
-          </a:effectLst>
-        </p:spPr>
-      </p:pic>
       <p:sp>
         <p:nvSpPr>
           <p:cNvPr id="14" name="TextBox 13">
@@ -41406,8 +41005,8 @@
         </p:nvSpPr>
         <p:spPr>
           <a:xfrm>
-            <a:off x="3415552" y="5537970"/>
-            <a:ext cx="7512423" cy="1231106"/>
+            <a:off x="512307" y="3942005"/>
+            <a:ext cx="6542918" cy="1231106"/>
           </a:xfrm>
           <a:prstGeom prst="rect">
             <a:avLst/>
@@ -41434,7 +41033,7 @@
             <a:r>
               <a:rPr lang="en-GB" b="1" dirty="0">
                 <a:solidFill>
-                  <a:srgbClr val="0070C0"/>
+                  <a:srgbClr val="002060"/>
                 </a:solidFill>
               </a:rPr>
               <a:t>Accessories</a:t>
@@ -41442,7 +41041,7 @@
             <a:r>
               <a:rPr lang="en-GB" dirty="0">
                 <a:solidFill>
-                  <a:srgbClr val="0070C0"/>
+                  <a:srgbClr val="002060"/>
                 </a:solidFill>
               </a:rPr>
               <a:t> had the </a:t>
@@ -41450,7 +41049,7 @@
             <a:r>
               <a:rPr lang="en-GB" b="1" dirty="0">
                 <a:solidFill>
-                  <a:srgbClr val="0070C0"/>
+                  <a:srgbClr val="002060"/>
                 </a:solidFill>
               </a:rPr>
               <a:t>largest</a:t>
@@ -41458,7 +41057,7 @@
             <a:r>
               <a:rPr lang="en-GB" dirty="0">
                 <a:solidFill>
-                  <a:srgbClr val="0070C0"/>
+                  <a:srgbClr val="002060"/>
                 </a:solidFill>
               </a:rPr>
               <a:t> increase in production.</a:t>
@@ -41472,7 +41071,7 @@
             <a:r>
               <a:rPr lang="en-GB" b="1" dirty="0">
                 <a:solidFill>
-                  <a:srgbClr val="0070C0"/>
+                  <a:srgbClr val="002060"/>
                 </a:solidFill>
               </a:rPr>
               <a:t>Storage and networking</a:t>
@@ -41480,16 +41079,16 @@
             <a:r>
               <a:rPr lang="en-GB" dirty="0">
                 <a:solidFill>
-                  <a:srgbClr val="0070C0"/>
+                  <a:srgbClr val="002060"/>
                 </a:solidFill>
               </a:rPr>
-              <a:t> are experiencing slower production growth than other segments.</a:t>
-            </a:r>
-            <a:r>
-              <a:rPr lang="en-GB" dirty="0"/>
-              <a:t> </a:t>
-            </a:r>
-            <a:endParaRPr lang="en-IN" dirty="0"/>
+              <a:t> are experiencing slower production growth than other segments. </a:t>
+            </a:r>
+            <a:endParaRPr lang="en-IN" dirty="0">
+              <a:solidFill>
+                <a:srgbClr val="002060"/>
+              </a:solidFill>
+            </a:endParaRPr>
           </a:p>
         </p:txBody>
       </p:sp>
@@ -42344,28 +41943,6 @@
 </file>
 
 <file path=customXml/item1.xml><?xml version="1.0" encoding="utf-8"?>
-<p:properties xmlns:p="http://schemas.microsoft.com/office/2006/metadata/properties" xmlns:xsi="http://www.w3.org/2001/XMLSchema-instance" xmlns:pc="http://schemas.microsoft.com/office/infopath/2007/PartnerControls">
-  <documentManagement>
-    <_ip_UnifiedCompliancePolicyUIAction xmlns="http://schemas.microsoft.com/sharepoint/v3" xsi:nil="true"/>
-    <TaxCatchAll xmlns="38de0ec0-4312-429b-9ba4-a6f7899b86f2" xsi:nil="true"/>
-    <_ip_UnifiedCompliancePolicyProperties xmlns="http://schemas.microsoft.com/sharepoint/v3" xsi:nil="true"/>
-    <lcf76f155ced4ddcb4097134ff3c332f xmlns="21705155-b4ce-4c69-95dc-4fd6cb8c5571">
-      <Terms xmlns="http://schemas.microsoft.com/office/infopath/2007/PartnerControls"/>
-    </lcf76f155ced4ddcb4097134ff3c332f>
-  </documentManagement>
-</p:properties>
-</file>
-
-<file path=customXml/item2.xml><?xml version="1.0" encoding="utf-8"?>
-<?mso-contentType ?>
-<FormTemplates xmlns="http://schemas.microsoft.com/sharepoint/v3/contenttype/forms">
-  <Display>DocumentLibraryForm</Display>
-  <Edit>DocumentLibraryForm</Edit>
-  <New>DocumentLibraryForm</New>
-</FormTemplates>
-</file>
-
-<file path=customXml/item3.xml><?xml version="1.0" encoding="utf-8"?>
 <ct:contentTypeSchema xmlns:ct="http://schemas.microsoft.com/office/2006/metadata/contentType" xmlns:ma="http://schemas.microsoft.com/office/2006/metadata/properties/metaAttributes" ct:_="" ma:_="" ma:contentTypeName="Document" ma:contentTypeID="0x0101001867FBBEFD40724CA20725D6B3094130" ma:contentTypeVersion="14" ma:contentTypeDescription="Create a new document." ma:contentTypeScope="" ma:versionID="b563ecc397a77cd5d82b22a852f9d63c">
   <xsd:schema xmlns:xsd="http://www.w3.org/2001/XMLSchema" xmlns:xs="http://www.w3.org/2001/XMLSchema" xmlns:p="http://schemas.microsoft.com/office/2006/metadata/properties" xmlns:ns1="http://schemas.microsoft.com/sharepoint/v3" xmlns:ns2="21705155-b4ce-4c69-95dc-4fd6cb8c5571" xmlns:ns3="38de0ec0-4312-429b-9ba4-a6f7899b86f2" targetNamespace="http://schemas.microsoft.com/office/2006/metadata/properties" ma:root="true" ma:fieldsID="514fef1a96c1431b584933149cb0dc9f" ns1:_="" ns2:_="" ns3:_="">
     <xsd:import namespace="http://schemas.microsoft.com/sharepoint/v3"/>
@@ -42583,27 +42160,29 @@
 </ct:contentTypeSchema>
 </file>
 
-<file path=customXml/itemProps1.xml><?xml version="1.0" encoding="utf-8"?>
-<ds:datastoreItem xmlns:ds="http://schemas.openxmlformats.org/officeDocument/2006/customXml" ds:itemID="{0104F9B3-91A5-4375-A792-D38A13F21997}">
-  <ds:schemaRefs>
-    <ds:schemaRef ds:uri="http://schemas.microsoft.com/office/2006/metadata/properties"/>
-    <ds:schemaRef ds:uri="http://schemas.microsoft.com/office/infopath/2007/PartnerControls"/>
-    <ds:schemaRef ds:uri="http://schemas.microsoft.com/sharepoint/v3"/>
-    <ds:schemaRef ds:uri="38de0ec0-4312-429b-9ba4-a6f7899b86f2"/>
-    <ds:schemaRef ds:uri="21705155-b4ce-4c69-95dc-4fd6cb8c5571"/>
-  </ds:schemaRefs>
-</ds:datastoreItem>
+<file path=customXml/item2.xml><?xml version="1.0" encoding="utf-8"?>
+<p:properties xmlns:p="http://schemas.microsoft.com/office/2006/metadata/properties" xmlns:xsi="http://www.w3.org/2001/XMLSchema-instance" xmlns:pc="http://schemas.microsoft.com/office/infopath/2007/PartnerControls">
+  <documentManagement>
+    <_ip_UnifiedCompliancePolicyUIAction xmlns="http://schemas.microsoft.com/sharepoint/v3" xsi:nil="true"/>
+    <TaxCatchAll xmlns="38de0ec0-4312-429b-9ba4-a6f7899b86f2" xsi:nil="true"/>
+    <_ip_UnifiedCompliancePolicyProperties xmlns="http://schemas.microsoft.com/sharepoint/v3" xsi:nil="true"/>
+    <lcf76f155ced4ddcb4097134ff3c332f xmlns="21705155-b4ce-4c69-95dc-4fd6cb8c5571">
+      <Terms xmlns="http://schemas.microsoft.com/office/infopath/2007/PartnerControls"/>
+    </lcf76f155ced4ddcb4097134ff3c332f>
+  </documentManagement>
+</p:properties>
 </file>
 
-<file path=customXml/itemProps2.xml><?xml version="1.0" encoding="utf-8"?>
-<ds:datastoreItem xmlns:ds="http://schemas.openxmlformats.org/officeDocument/2006/customXml" ds:itemID="{48D92EA7-0D9D-4DD7-ACED-749A5B292D4A}">
-  <ds:schemaRefs>
-    <ds:schemaRef ds:uri="http://schemas.microsoft.com/sharepoint/v3/contenttype/forms"/>
-  </ds:schemaRefs>
-</ds:datastoreItem>
+<file path=customXml/item3.xml><?xml version="1.0" encoding="utf-8"?>
+<?mso-contentType ?>
+<FormTemplates xmlns="http://schemas.microsoft.com/sharepoint/v3/contenttype/forms">
+  <Display>DocumentLibraryForm</Display>
+  <Edit>DocumentLibraryForm</Edit>
+  <New>DocumentLibraryForm</New>
+</FormTemplates>
 </file>
 
-<file path=customXml/itemProps3.xml><?xml version="1.0" encoding="utf-8"?>
+<file path=customXml/itemProps1.xml><?xml version="1.0" encoding="utf-8"?>
 <ds:datastoreItem xmlns:ds="http://schemas.openxmlformats.org/officeDocument/2006/customXml" ds:itemID="{CD44FAE9-C7DC-48CA-9BFD-B49E0265CE9F}">
   <ds:schemaRefs>
     <ds:schemaRef ds:uri="http://schemas.microsoft.com/office/2006/metadata/contentType"/>
@@ -42623,6 +42202,32 @@
 </ds:datastoreItem>
 </file>
 
+<file path=customXml/itemProps2.xml><?xml version="1.0" encoding="utf-8"?>
+<ds:datastoreItem xmlns:ds="http://schemas.openxmlformats.org/officeDocument/2006/customXml" ds:itemID="{0104F9B3-91A5-4375-A792-D38A13F21997}">
+  <ds:schemaRefs>
+    <ds:schemaRef ds:uri="http://purl.org/dc/dcmitype/"/>
+    <ds:schemaRef ds:uri="http://schemas.microsoft.com/office/2006/documentManagement/types"/>
+    <ds:schemaRef ds:uri="http://www.w3.org/XML/1998/namespace"/>
+    <ds:schemaRef ds:uri="http://schemas.openxmlformats.org/package/2006/metadata/core-properties"/>
+    <ds:schemaRef ds:uri="38de0ec0-4312-429b-9ba4-a6f7899b86f2"/>
+    <ds:schemaRef ds:uri="21705155-b4ce-4c69-95dc-4fd6cb8c5571"/>
+    <ds:schemaRef ds:uri="http://schemas.microsoft.com/office/2006/metadata/properties"/>
+    <ds:schemaRef ds:uri="http://schemas.microsoft.com/office/infopath/2007/PartnerControls"/>
+    <ds:schemaRef ds:uri="http://schemas.microsoft.com/sharepoint/v3"/>
+    <ds:schemaRef ds:uri="http://purl.org/dc/terms/"/>
+    <ds:schemaRef ds:uri="http://purl.org/dc/elements/1.1/"/>
+  </ds:schemaRefs>
+</ds:datastoreItem>
+</file>
+
+<file path=customXml/itemProps3.xml><?xml version="1.0" encoding="utf-8"?>
+<ds:datastoreItem xmlns:ds="http://schemas.openxmlformats.org/officeDocument/2006/customXml" ds:itemID="{48D92EA7-0D9D-4DD7-ACED-749A5B292D4A}">
+  <ds:schemaRefs>
+    <ds:schemaRef ds:uri="http://schemas.microsoft.com/sharepoint/v3/contenttype/forms"/>
+  </ds:schemaRefs>
+</ds:datastoreItem>
+</file>
+
 <file path=docMetadata/LabelInfo.xml><?xml version="1.0" encoding="utf-8"?>
 <clbl:labelList xmlns:clbl="http://schemas.microsoft.com/office/2020/mipLabelMetadata"/>
 </file>